--- a/Distance from CBD analysis/Melbourne House Price.pptx
+++ b/Distance from CBD analysis/Melbourne House Price.pptx
@@ -12,13 +12,13 @@
     <p:sldId id="266" r:id="rId3"/>
     <p:sldId id="257" r:id="rId4"/>
     <p:sldId id="267" r:id="rId5"/>
-    <p:sldId id="258" r:id="rId6"/>
-    <p:sldId id="259" r:id="rId7"/>
-    <p:sldId id="260" r:id="rId8"/>
-    <p:sldId id="261" r:id="rId9"/>
-    <p:sldId id="263" r:id="rId10"/>
-    <p:sldId id="264" r:id="rId11"/>
-    <p:sldId id="265" r:id="rId12"/>
+    <p:sldId id="265" r:id="rId6"/>
+    <p:sldId id="258" r:id="rId7"/>
+    <p:sldId id="259" r:id="rId8"/>
+    <p:sldId id="260" r:id="rId9"/>
+    <p:sldId id="261" r:id="rId10"/>
+    <p:sldId id="263" r:id="rId11"/>
+    <p:sldId id="264" r:id="rId12"/>
     <p:sldId id="270" r:id="rId13"/>
     <p:sldId id="269" r:id="rId14"/>
     <p:sldId id="268" r:id="rId15"/>
@@ -135,7 +135,40 @@
       </a:defRPr>
     </a:lvl9pPr>
   </p:defaultTextStyle>
+  <p:extLst>
+    <p:ext uri="{EFAFB233-063F-42B5-8137-9DF3F51BA10A}">
+      <p15:sldGuideLst xmlns:p15="http://schemas.microsoft.com/office/powerpoint/2012/main"/>
+    </p:ext>
+  </p:extLst>
 </p:presentation>
+</file>
+
+<file path=ppt/changesInfos/changesInfo1.xml><?xml version="1.0" encoding="utf-8"?>
+<pc:chgInfo xmlns:a="http://schemas.openxmlformats.org/drawingml/2006/main" xmlns:r="http://schemas.openxmlformats.org/officeDocument/2006/relationships" xmlns:ac="http://schemas.microsoft.com/office/drawing/2013/main/command" xmlns:pc="http://schemas.microsoft.com/office/powerpoint/2013/main/command">
+  <pc:docChgLst>
+    <pc:chgData name="Franco Hung" userId="50f19df39372ef09" providerId="LiveId" clId="{15105D5C-D235-4C04-AE7F-DCA4F6DBAC3E}"/>
+    <pc:docChg chg="custSel modSld sldOrd">
+      <pc:chgData name="Franco Hung" userId="50f19df39372ef09" providerId="LiveId" clId="{15105D5C-D235-4C04-AE7F-DCA4F6DBAC3E}" dt="2021-09-23T03:53:36.591" v="10"/>
+      <pc:docMkLst>
+        <pc:docMk/>
+      </pc:docMkLst>
+      <pc:sldChg chg="modNotesTx">
+        <pc:chgData name="Franco Hung" userId="50f19df39372ef09" providerId="LiveId" clId="{15105D5C-D235-4C04-AE7F-DCA4F6DBAC3E}" dt="2021-09-23T03:40:31.875" v="8" actId="20577"/>
+        <pc:sldMkLst>
+          <pc:docMk/>
+          <pc:sldMk cId="3895531750" sldId="257"/>
+        </pc:sldMkLst>
+      </pc:sldChg>
+      <pc:sldChg chg="ord">
+        <pc:chgData name="Franco Hung" userId="50f19df39372ef09" providerId="LiveId" clId="{15105D5C-D235-4C04-AE7F-DCA4F6DBAC3E}" dt="2021-09-23T03:53:36.591" v="10"/>
+        <pc:sldMkLst>
+          <pc:docMk/>
+          <pc:sldMk cId="1180733735" sldId="265"/>
+        </pc:sldMkLst>
+      </pc:sldChg>
+    </pc:docChg>
+  </pc:docChgLst>
+</pc:chgInfo>
 </file>
 
 <file path=ppt/notesMasters/notesMaster1.xml><?xml version="1.0" encoding="utf-8"?>
@@ -220,7 +253,7 @@
           <a:p>
             <a:fld id="{B184B1F9-BCFB-4E65-B3CF-66EE46B001A9}" type="datetimeFigureOut">
               <a:rPr lang="en-US" smtClean="0"/>
-              <a:t>2021-09-22</a:t>
+              <a:t>9/23/2021</a:t>
             </a:fld>
             <a:endParaRPr lang="en-US"/>
           </a:p>
@@ -646,6 +679,90 @@
     <p:extLst>
       <p:ext uri="{BB962C8B-B14F-4D97-AF65-F5344CB8AC3E}">
         <p14:creationId xmlns:p14="http://schemas.microsoft.com/office/powerpoint/2010/main" val="1612373523"/>
+      </p:ext>
+    </p:extLst>
+  </p:cSld>
+  <p:clrMapOvr>
+    <a:masterClrMapping/>
+  </p:clrMapOvr>
+</p:notes>
+</file>
+
+<file path=ppt/notesSlides/notesSlide3.xml><?xml version="1.0" encoding="utf-8"?>
+<p:notes xmlns:a="http://schemas.openxmlformats.org/drawingml/2006/main" xmlns:r="http://schemas.openxmlformats.org/officeDocument/2006/relationships" xmlns:p="http://schemas.openxmlformats.org/presentationml/2006/main">
+  <p:cSld>
+    <p:spTree>
+      <p:nvGrpSpPr>
+        <p:cNvPr id="1" name=""/>
+        <p:cNvGrpSpPr/>
+        <p:nvPr/>
+      </p:nvGrpSpPr>
+      <p:grpSpPr>
+        <a:xfrm>
+          <a:off x="0" y="0"/>
+          <a:ext cx="0" cy="0"/>
+          <a:chOff x="0" y="0"/>
+          <a:chExt cx="0" cy="0"/>
+        </a:xfrm>
+      </p:grpSpPr>
+      <p:sp>
+        <p:nvSpPr>
+          <p:cNvPr id="2" name="Slide Image Placeholder 1"/>
+          <p:cNvSpPr>
+            <a:spLocks noGrp="1" noRot="1" noChangeAspect="1"/>
+          </p:cNvSpPr>
+          <p:nvPr>
+            <p:ph type="sldImg"/>
+          </p:nvPr>
+        </p:nvSpPr>
+        <p:spPr/>
+      </p:sp>
+      <p:sp>
+        <p:nvSpPr>
+          <p:cNvPr id="3" name="Notes Placeholder 2"/>
+          <p:cNvSpPr>
+            <a:spLocks noGrp="1"/>
+          </p:cNvSpPr>
+          <p:nvPr>
+            <p:ph type="body" idx="1"/>
+          </p:nvPr>
+        </p:nvSpPr>
+        <p:spPr/>
+        <p:txBody>
+          <a:bodyPr/>
+          <a:lstStyle/>
+          <a:p>
+            <a:endParaRPr lang="en-AU" dirty="0"/>
+          </a:p>
+        </p:txBody>
+      </p:sp>
+      <p:sp>
+        <p:nvSpPr>
+          <p:cNvPr id="4" name="Slide Number Placeholder 3"/>
+          <p:cNvSpPr>
+            <a:spLocks noGrp="1"/>
+          </p:cNvSpPr>
+          <p:nvPr>
+            <p:ph type="sldNum" sz="quarter" idx="5"/>
+          </p:nvPr>
+        </p:nvSpPr>
+        <p:spPr/>
+        <p:txBody>
+          <a:bodyPr/>
+          <a:lstStyle/>
+          <a:p>
+            <a:fld id="{285BE225-3157-4838-B4FE-1D026E8A940A}" type="slidenum">
+              <a:rPr lang="en-US" smtClean="0"/>
+              <a:t>6</a:t>
+            </a:fld>
+            <a:endParaRPr lang="en-US"/>
+          </a:p>
+        </p:txBody>
+      </p:sp>
+    </p:spTree>
+    <p:extLst>
+      <p:ext uri="{BB962C8B-B14F-4D97-AF65-F5344CB8AC3E}">
+        <p14:creationId xmlns:p14="http://schemas.microsoft.com/office/powerpoint/2010/main" val="618278599"/>
       </p:ext>
     </p:extLst>
   </p:cSld>
@@ -1157,7 +1274,7 @@
           <a:p>
             <a:fld id="{8BD419E3-8FD1-4F63-8D4B-AC2F2BA7E16B}" type="datetimeFigureOut">
               <a:rPr lang="en-US" smtClean="0"/>
-              <a:t>2021-09-22</a:t>
+              <a:t>9/23/2021</a:t>
             </a:fld>
             <a:endParaRPr lang="en-US"/>
           </a:p>
@@ -1453,7 +1570,7 @@
           <a:p>
             <a:fld id="{8BD419E3-8FD1-4F63-8D4B-AC2F2BA7E16B}" type="datetimeFigureOut">
               <a:rPr lang="en-US" smtClean="0"/>
-              <a:t>2021-09-22</a:t>
+              <a:t>9/23/2021</a:t>
             </a:fld>
             <a:endParaRPr lang="en-US"/>
           </a:p>
@@ -1701,7 +1818,7 @@
           <a:p>
             <a:fld id="{8BD419E3-8FD1-4F63-8D4B-AC2F2BA7E16B}" type="datetimeFigureOut">
               <a:rPr lang="en-US" smtClean="0"/>
-              <a:t>2021-09-22</a:t>
+              <a:t>9/23/2021</a:t>
             </a:fld>
             <a:endParaRPr lang="en-US"/>
           </a:p>
@@ -2241,7 +2358,7 @@
           <a:p>
             <a:fld id="{8BD419E3-8FD1-4F63-8D4B-AC2F2BA7E16B}" type="datetimeFigureOut">
               <a:rPr lang="en-US" smtClean="0"/>
-              <a:t>2021-09-22</a:t>
+              <a:t>9/23/2021</a:t>
             </a:fld>
             <a:endParaRPr lang="en-US"/>
           </a:p>
@@ -2489,7 +2606,7 @@
           <a:p>
             <a:fld id="{8BD419E3-8FD1-4F63-8D4B-AC2F2BA7E16B}" type="datetimeFigureOut">
               <a:rPr lang="en-US" smtClean="0"/>
-              <a:t>2021-09-22</a:t>
+              <a:t>9/23/2021</a:t>
             </a:fld>
             <a:endParaRPr lang="en-US"/>
           </a:p>
@@ -3021,7 +3138,7 @@
           <a:p>
             <a:fld id="{8BD419E3-8FD1-4F63-8D4B-AC2F2BA7E16B}" type="datetimeFigureOut">
               <a:rPr lang="en-US" smtClean="0"/>
-              <a:t>2021-09-22</a:t>
+              <a:t>9/23/2021</a:t>
             </a:fld>
             <a:endParaRPr lang="en-US"/>
           </a:p>
@@ -3318,7 +3435,7 @@
           <a:p>
             <a:fld id="{8BD419E3-8FD1-4F63-8D4B-AC2F2BA7E16B}" type="datetimeFigureOut">
               <a:rPr lang="en-US" smtClean="0"/>
-              <a:t>2021-09-22</a:t>
+              <a:t>9/23/2021</a:t>
             </a:fld>
             <a:endParaRPr lang="en-US"/>
           </a:p>
@@ -3492,7 +3609,7 @@
           <a:p>
             <a:fld id="{8BD419E3-8FD1-4F63-8D4B-AC2F2BA7E16B}" type="datetimeFigureOut">
               <a:rPr lang="en-US" smtClean="0"/>
-              <a:t>2021-09-22</a:t>
+              <a:t>9/23/2021</a:t>
             </a:fld>
             <a:endParaRPr lang="en-US"/>
           </a:p>
@@ -3672,7 +3789,7 @@
           <a:p>
             <a:fld id="{8BD419E3-8FD1-4F63-8D4B-AC2F2BA7E16B}" type="datetimeFigureOut">
               <a:rPr lang="en-US" smtClean="0"/>
-              <a:t>2021-09-22</a:t>
+              <a:t>9/23/2021</a:t>
             </a:fld>
             <a:endParaRPr lang="en-US"/>
           </a:p>
@@ -3842,7 +3959,7 @@
           <a:p>
             <a:fld id="{8BD419E3-8FD1-4F63-8D4B-AC2F2BA7E16B}" type="datetimeFigureOut">
               <a:rPr lang="en-US" smtClean="0"/>
-              <a:t>2021-09-22</a:t>
+              <a:t>9/23/2021</a:t>
             </a:fld>
             <a:endParaRPr lang="en-US"/>
           </a:p>
@@ -4093,7 +4210,7 @@
           <a:p>
             <a:fld id="{8BD419E3-8FD1-4F63-8D4B-AC2F2BA7E16B}" type="datetimeFigureOut">
               <a:rPr lang="en-US" smtClean="0"/>
-              <a:t>2021-09-22</a:t>
+              <a:t>9/23/2021</a:t>
             </a:fld>
             <a:endParaRPr lang="en-US"/>
           </a:p>
@@ -4390,7 +4507,7 @@
           <a:p>
             <a:fld id="{8BD419E3-8FD1-4F63-8D4B-AC2F2BA7E16B}" type="datetimeFigureOut">
               <a:rPr lang="en-US" smtClean="0"/>
-              <a:t>2021-09-22</a:t>
+              <a:t>9/23/2021</a:t>
             </a:fld>
             <a:endParaRPr lang="en-US"/>
           </a:p>
@@ -4832,7 +4949,7 @@
           <a:p>
             <a:fld id="{8BD419E3-8FD1-4F63-8D4B-AC2F2BA7E16B}" type="datetimeFigureOut">
               <a:rPr lang="en-US" smtClean="0"/>
-              <a:t>2021-09-22</a:t>
+              <a:t>9/23/2021</a:t>
             </a:fld>
             <a:endParaRPr lang="en-US"/>
           </a:p>
@@ -4950,7 +5067,7 @@
           <a:p>
             <a:fld id="{8BD419E3-8FD1-4F63-8D4B-AC2F2BA7E16B}" type="datetimeFigureOut">
               <a:rPr lang="en-US" smtClean="0"/>
-              <a:t>2021-09-22</a:t>
+              <a:t>9/23/2021</a:t>
             </a:fld>
             <a:endParaRPr lang="en-US"/>
           </a:p>
@@ -5045,7 +5162,7 @@
           <a:p>
             <a:fld id="{8BD419E3-8FD1-4F63-8D4B-AC2F2BA7E16B}" type="datetimeFigureOut">
               <a:rPr lang="en-US" smtClean="0"/>
-              <a:t>2021-09-22</a:t>
+              <a:t>9/23/2021</a:t>
             </a:fld>
             <a:endParaRPr lang="en-US"/>
           </a:p>
@@ -5328,7 +5445,7 @@
           <a:p>
             <a:fld id="{8BD419E3-8FD1-4F63-8D4B-AC2F2BA7E16B}" type="datetimeFigureOut">
               <a:rPr lang="en-US" smtClean="0"/>
-              <a:t>2021-09-22</a:t>
+              <a:t>9/23/2021</a:t>
             </a:fld>
             <a:endParaRPr lang="en-US"/>
           </a:p>
@@ -5619,7 +5736,7 @@
           <a:p>
             <a:fld id="{8BD419E3-8FD1-4F63-8D4B-AC2F2BA7E16B}" type="datetimeFigureOut">
               <a:rPr lang="en-US" smtClean="0"/>
-              <a:t>2021-09-22</a:t>
+              <a:t>9/23/2021</a:t>
             </a:fld>
             <a:endParaRPr lang="en-US"/>
           </a:p>
@@ -6149,7 +6266,7 @@
           <a:p>
             <a:fld id="{8BD419E3-8FD1-4F63-8D4B-AC2F2BA7E16B}" type="datetimeFigureOut">
               <a:rPr lang="en-US" smtClean="0"/>
-              <a:t>2021-09-22</a:t>
+              <a:t>9/23/2021</a:t>
             </a:fld>
             <a:endParaRPr lang="en-US"/>
           </a:p>
@@ -6856,10 +6973,10 @@
       </p:grpSpPr>
       <p:sp>
         <p:nvSpPr>
-          <p:cNvPr id="3" name="Subtitle 2">
+          <p:cNvPr id="2" name="Title 1">
             <a:extLst>
               <a:ext uri="{FF2B5EF4-FFF2-40B4-BE49-F238E27FC236}">
-                <a16:creationId xmlns:a16="http://schemas.microsoft.com/office/drawing/2014/main" id="{0F218ABF-30AD-46B6-91CD-DD392D01ADEC}"/>
+                <a16:creationId xmlns:a16="http://schemas.microsoft.com/office/drawing/2014/main" id="{D2B5FDE5-29DF-432E-8F79-2CE732F40492}"/>
               </a:ext>
             </a:extLst>
           </p:cNvPr>
@@ -6867,237 +6984,82 @@
             <a:spLocks noGrp="1"/>
           </p:cNvSpPr>
           <p:nvPr>
-            <p:ph type="subTitle" idx="1"/>
+            <p:ph type="ctrTitle"/>
           </p:nvPr>
         </p:nvSpPr>
         <p:spPr>
           <a:xfrm>
-            <a:off x="3587329" y="297723"/>
-            <a:ext cx="6987645" cy="5720939"/>
+            <a:off x="2450729" y="573269"/>
+            <a:ext cx="8574622" cy="1799860"/>
           </a:xfrm>
         </p:spPr>
         <p:txBody>
-          <a:bodyPr>
-            <a:noAutofit/>
-          </a:bodyPr>
+          <a:bodyPr/>
           <a:lstStyle/>
           <a:p>
-            <a:pPr marL="457200" indent="-457200" algn="l">
-              <a:buFont typeface="Wingdings" panose="05000000000000000000" pitchFamily="2" charset="2"/>
-              <a:buChar char="Ø"/>
-            </a:pPr>
-            <a:r>
-              <a:rPr lang="en-AU" sz="3000" dirty="0">
-                <a:solidFill>
-                  <a:srgbClr val="000000"/>
-                </a:solidFill>
-                <a:effectLst/>
-                <a:latin typeface="Times New Roman" panose="02020603050405020304" pitchFamily="18" charset="0"/>
-                <a:ea typeface="Times New Roman" panose="02020603050405020304" pitchFamily="18" charset="0"/>
-                <a:cs typeface="Times New Roman" panose="02020603050405020304" pitchFamily="18" charset="0"/>
-              </a:rPr>
-              <a:t>Sales of houses in </a:t>
-            </a:r>
-            <a:r>
-              <a:rPr lang="en-AU" sz="3000" dirty="0">
-                <a:solidFill>
-                  <a:srgbClr val="000000"/>
-                </a:solidFill>
-                <a:latin typeface="Times New Roman" panose="02020603050405020304" pitchFamily="18" charset="0"/>
-                <a:ea typeface="Times New Roman" panose="02020603050405020304" pitchFamily="18" charset="0"/>
-                <a:cs typeface="Times New Roman" panose="02020603050405020304" pitchFamily="18" charset="0"/>
-              </a:rPr>
-              <a:t>M</a:t>
-            </a:r>
-            <a:r>
-              <a:rPr lang="en-AU" sz="3000" dirty="0">
-                <a:solidFill>
-                  <a:srgbClr val="000000"/>
-                </a:solidFill>
-                <a:effectLst/>
-                <a:latin typeface="Times New Roman" panose="02020603050405020304" pitchFamily="18" charset="0"/>
-                <a:ea typeface="Times New Roman" panose="02020603050405020304" pitchFamily="18" charset="0"/>
-                <a:cs typeface="Times New Roman" panose="02020603050405020304" pitchFamily="18" charset="0"/>
-              </a:rPr>
-              <a:t>elbourne</a:t>
-            </a:r>
-          </a:p>
-          <a:p>
-            <a:pPr marL="457200" indent="-457200" algn="l">
-              <a:buFont typeface="Wingdings" panose="05000000000000000000" pitchFamily="2" charset="2"/>
-              <a:buChar char="Ø"/>
-            </a:pPr>
-            <a:r>
-              <a:rPr lang="en-AU" sz="3000" dirty="0">
-                <a:solidFill>
-                  <a:srgbClr val="000000"/>
-                </a:solidFill>
-                <a:effectLst/>
-                <a:latin typeface="Times New Roman" panose="02020603050405020304" pitchFamily="18" charset="0"/>
-                <a:ea typeface="Times New Roman" panose="02020603050405020304" pitchFamily="18" charset="0"/>
-                <a:cs typeface="Times New Roman" panose="02020603050405020304" pitchFamily="18" charset="0"/>
-              </a:rPr>
-              <a:t>List of all the schools in Melbourne</a:t>
-            </a:r>
-          </a:p>
-          <a:p>
-            <a:pPr marL="457200" indent="-457200" algn="l">
-              <a:buFont typeface="Wingdings" panose="05000000000000000000" pitchFamily="2" charset="2"/>
-              <a:buChar char="Ø"/>
-            </a:pPr>
-            <a:r>
-              <a:rPr lang="en-AU" sz="3000" dirty="0">
-                <a:solidFill>
-                  <a:srgbClr val="000000"/>
-                </a:solidFill>
-                <a:effectLst/>
-                <a:latin typeface="Times New Roman" panose="02020603050405020304" pitchFamily="18" charset="0"/>
-                <a:ea typeface="Times New Roman" panose="02020603050405020304" pitchFamily="18" charset="0"/>
-                <a:cs typeface="Times New Roman" panose="02020603050405020304" pitchFamily="18" charset="0"/>
-              </a:rPr>
-              <a:t>The crimes rates in different suburbs</a:t>
-            </a:r>
-          </a:p>
-          <a:p>
-            <a:pPr marL="457200" indent="-457200" algn="l">
-              <a:buFont typeface="Wingdings" panose="05000000000000000000" pitchFamily="2" charset="2"/>
-              <a:buChar char="Ø"/>
-            </a:pPr>
-            <a:r>
-              <a:rPr lang="en-AU" sz="3000" dirty="0">
-                <a:solidFill>
-                  <a:srgbClr val="000000"/>
-                </a:solidFill>
-                <a:latin typeface="Times New Roman" panose="02020603050405020304" pitchFamily="18" charset="0"/>
-                <a:ea typeface="Calibri" panose="020F0502020204030204" pitchFamily="34" charset="0"/>
-                <a:cs typeface="Times New Roman" panose="02020603050405020304" pitchFamily="18" charset="0"/>
-              </a:rPr>
-              <a:t>The train stations info</a:t>
-            </a:r>
-          </a:p>
-          <a:p>
-            <a:pPr algn="l"/>
-            <a:endParaRPr lang="en-AU" sz="3000" dirty="0">
-              <a:solidFill>
-                <a:srgbClr val="000000"/>
-              </a:solidFill>
-              <a:effectLst/>
-              <a:latin typeface="Times New Roman" panose="02020603050405020304" pitchFamily="18" charset="0"/>
-              <a:ea typeface="Calibri" panose="020F0502020204030204" pitchFamily="34" charset="0"/>
-              <a:cs typeface="Times New Roman" panose="02020603050405020304" pitchFamily="18" charset="0"/>
-            </a:endParaRPr>
-          </a:p>
-          <a:p>
-            <a:pPr marL="457200" indent="-457200" algn="l">
-              <a:buFont typeface="Wingdings" panose="05000000000000000000" pitchFamily="2" charset="2"/>
-              <a:buChar char="v"/>
-            </a:pPr>
-            <a:r>
-              <a:rPr lang="en-US" sz="3000" dirty="0">
-                <a:solidFill>
-                  <a:srgbClr val="000000"/>
-                </a:solidFill>
-                <a:effectLst/>
-                <a:latin typeface="Times New Roman" panose="02020603050405020304" pitchFamily="18" charset="0"/>
-                <a:ea typeface="Calibri" panose="020F0502020204030204" pitchFamily="34" charset="0"/>
-                <a:cs typeface="Times New Roman" panose="02020603050405020304" pitchFamily="18" charset="0"/>
-              </a:rPr>
-              <a:t>All </a:t>
-            </a:r>
-            <a:r>
-              <a:rPr lang="en-AU" sz="3000" dirty="0">
-                <a:solidFill>
-                  <a:srgbClr val="000000"/>
-                </a:solidFill>
-                <a:effectLst/>
-                <a:latin typeface="Times New Roman" panose="02020603050405020304" pitchFamily="18" charset="0"/>
-                <a:ea typeface="Times New Roman" panose="02020603050405020304" pitchFamily="18" charset="0"/>
-                <a:cs typeface="Times New Roman" panose="02020603050405020304" pitchFamily="18" charset="0"/>
-              </a:rPr>
-              <a:t>in csv formats</a:t>
-            </a:r>
-            <a:endParaRPr lang="en-US" sz="3000" dirty="0">
-              <a:solidFill>
-                <a:srgbClr val="000000"/>
-              </a:solidFill>
-              <a:latin typeface="Times New Roman" panose="02020603050405020304" pitchFamily="18" charset="0"/>
-              <a:ea typeface="Times New Roman" panose="02020603050405020304" pitchFamily="18" charset="0"/>
-              <a:cs typeface="Times New Roman" panose="02020603050405020304" pitchFamily="18" charset="0"/>
-            </a:endParaRPr>
-          </a:p>
-          <a:p>
-            <a:pPr marL="457200" indent="-457200" algn="l">
-              <a:buFont typeface="Wingdings" panose="05000000000000000000" pitchFamily="2" charset="2"/>
-              <a:buChar char="v"/>
-            </a:pPr>
-            <a:r>
-              <a:rPr lang="en-AU" sz="3000" dirty="0">
-                <a:solidFill>
-                  <a:srgbClr val="000000"/>
-                </a:solidFill>
-                <a:effectLst/>
-                <a:latin typeface="Times New Roman" panose="02020603050405020304" pitchFamily="18" charset="0"/>
-                <a:ea typeface="Times New Roman" panose="02020603050405020304" pitchFamily="18" charset="0"/>
-                <a:cs typeface="Times New Roman" panose="02020603050405020304" pitchFamily="18" charset="0"/>
-              </a:rPr>
-              <a:t>The age of the data from 2016-2018</a:t>
-            </a:r>
-            <a:endParaRPr lang="en-US" sz="3000" dirty="0">
-              <a:solidFill>
-                <a:srgbClr val="000000"/>
-              </a:solidFill>
-              <a:latin typeface="Times New Roman" panose="02020603050405020304" pitchFamily="18" charset="0"/>
-              <a:ea typeface="Times New Roman" panose="02020603050405020304" pitchFamily="18" charset="0"/>
-              <a:cs typeface="Times New Roman" panose="02020603050405020304" pitchFamily="18" charset="0"/>
-            </a:endParaRPr>
-          </a:p>
-          <a:p>
-            <a:pPr marL="457200" indent="-457200" algn="l">
-              <a:buFont typeface="Wingdings" panose="05000000000000000000" pitchFamily="2" charset="2"/>
-              <a:buChar char="v"/>
-            </a:pPr>
-            <a:r>
-              <a:rPr lang="en-US" sz="3000" dirty="0">
-                <a:solidFill>
-                  <a:srgbClr val="000000"/>
-                </a:solidFill>
-                <a:latin typeface="Times New Roman" panose="02020603050405020304" pitchFamily="18" charset="0"/>
-                <a:ea typeface="Times New Roman" panose="02020603050405020304" pitchFamily="18" charset="0"/>
-                <a:cs typeface="Times New Roman" panose="02020603050405020304" pitchFamily="18" charset="0"/>
-              </a:rPr>
-              <a:t>T</a:t>
-            </a:r>
-            <a:r>
-              <a:rPr lang="en-AU" sz="3000" dirty="0">
-                <a:solidFill>
-                  <a:srgbClr val="000000"/>
-                </a:solidFill>
-                <a:effectLst/>
-                <a:latin typeface="Times New Roman" panose="02020603050405020304" pitchFamily="18" charset="0"/>
-                <a:ea typeface="Times New Roman" panose="02020603050405020304" pitchFamily="18" charset="0"/>
-                <a:cs typeface="Times New Roman" panose="02020603050405020304" pitchFamily="18" charset="0"/>
-              </a:rPr>
-              <a:t>he market fluctuations cause of COVID after 2018</a:t>
-            </a:r>
-            <a:br>
-              <a:rPr lang="en-US" sz="3000" dirty="0">
-                <a:solidFill>
-                  <a:srgbClr val="000000"/>
-                </a:solidFill>
-                <a:effectLst/>
-                <a:latin typeface="Times New Roman" panose="02020603050405020304" pitchFamily="18" charset="0"/>
-                <a:ea typeface="Calibri" panose="020F0502020204030204" pitchFamily="34" charset="0"/>
-                <a:cs typeface="Times New Roman" panose="02020603050405020304" pitchFamily="18" charset="0"/>
-              </a:rPr>
-            </a:br>
-            <a:endParaRPr lang="en-US" sz="3000" dirty="0"/>
-          </a:p>
-        </p:txBody>
-      </p:sp>
+            <a:pPr algn="ctr"/>
+            <a:r>
+              <a:rPr lang="en-US" sz="9600" b="1" i="1" dirty="0">
+                <a:latin typeface="Times New Roman" panose="02020603050405020304" pitchFamily="18" charset="0"/>
+                <a:cs typeface="Times New Roman" panose="02020603050405020304" pitchFamily="18" charset="0"/>
+              </a:rPr>
+              <a:t>Datasets</a:t>
+            </a:r>
+            <a:endParaRPr lang="en-US" dirty="0"/>
+          </a:p>
+        </p:txBody>
+      </p:sp>
+      <p:pic>
+        <p:nvPicPr>
+          <p:cNvPr id="1026" name="Picture 2" descr="How to Analyze a Dataset: 6 Steps | HBS Online">
+            <a:extLst>
+              <a:ext uri="{FF2B5EF4-FFF2-40B4-BE49-F238E27FC236}">
+                <a16:creationId xmlns:a16="http://schemas.microsoft.com/office/drawing/2014/main" id="{CD656E5C-D383-43CD-BFD5-4611A264A192}"/>
+              </a:ext>
+            </a:extLst>
+          </p:cNvPr>
+          <p:cNvPicPr>
+            <a:picLocks noChangeAspect="1" noChangeArrowheads="1"/>
+          </p:cNvPicPr>
+          <p:nvPr/>
+        </p:nvPicPr>
+        <p:blipFill>
+          <a:blip r:embed="rId2">
+            <a:extLst>
+              <a:ext uri="{28A0092B-C50C-407E-A947-70E740481C1C}">
+                <a14:useLocalDpi xmlns:a14="http://schemas.microsoft.com/office/drawing/2010/main" val="0"/>
+              </a:ext>
+            </a:extLst>
+          </a:blip>
+          <a:srcRect/>
+          <a:stretch>
+            <a:fillRect/>
+          </a:stretch>
+        </p:blipFill>
+        <p:spPr bwMode="auto">
+          <a:xfrm>
+            <a:off x="4497118" y="2373129"/>
+            <a:ext cx="6883644" cy="3441822"/>
+          </a:xfrm>
+          <a:prstGeom prst="rect">
+            <a:avLst/>
+          </a:prstGeom>
+          <a:noFill/>
+          <a:extLst>
+            <a:ext uri="{909E8E84-426E-40DD-AFC4-6F175D3DCCD1}">
+              <a14:hiddenFill xmlns:a14="http://schemas.microsoft.com/office/drawing/2010/main">
+                <a:solidFill>
+                  <a:srgbClr val="FFFFFF"/>
+                </a:solidFill>
+              </a14:hiddenFill>
+            </a:ext>
+          </a:extLst>
+        </p:spPr>
+      </p:pic>
     </p:spTree>
     <p:extLst>
       <p:ext uri="{BB962C8B-B14F-4D97-AF65-F5344CB8AC3E}">
-        <p14:creationId xmlns:p14="http://schemas.microsoft.com/office/powerpoint/2010/main" val="21349136"/>
+        <p14:creationId xmlns:p14="http://schemas.microsoft.com/office/powerpoint/2010/main" val="629092007"/>
       </p:ext>
     </p:extLst>
   </p:cSld>
@@ -7126,10 +7088,10 @@
       </p:grpSpPr>
       <p:sp>
         <p:nvSpPr>
-          <p:cNvPr id="2" name="Title 1">
+          <p:cNvPr id="3" name="Subtitle 2">
             <a:extLst>
               <a:ext uri="{FF2B5EF4-FFF2-40B4-BE49-F238E27FC236}">
-                <a16:creationId xmlns:a16="http://schemas.microsoft.com/office/drawing/2014/main" id="{D2B5FDE5-29DF-432E-8F79-2CE732F40492}"/>
+                <a16:creationId xmlns:a16="http://schemas.microsoft.com/office/drawing/2014/main" id="{0F218ABF-30AD-46B6-91CD-DD392D01ADEC}"/>
               </a:ext>
             </a:extLst>
           </p:cNvPr>
@@ -7137,82 +7099,237 @@
             <a:spLocks noGrp="1"/>
           </p:cNvSpPr>
           <p:nvPr>
-            <p:ph type="ctrTitle"/>
+            <p:ph type="subTitle" idx="1"/>
           </p:nvPr>
         </p:nvSpPr>
         <p:spPr>
           <a:xfrm>
-            <a:off x="2450729" y="573269"/>
-            <a:ext cx="8574622" cy="1799860"/>
+            <a:off x="3587329" y="297723"/>
+            <a:ext cx="6987645" cy="5720939"/>
           </a:xfrm>
         </p:spPr>
         <p:txBody>
-          <a:bodyPr/>
+          <a:bodyPr>
+            <a:noAutofit/>
+          </a:bodyPr>
           <a:lstStyle/>
           <a:p>
-            <a:pPr algn="ctr"/>
-            <a:r>
-              <a:rPr lang="en-US" sz="9600" b="1" i="1" dirty="0">
-                <a:latin typeface="Times New Roman" panose="02020603050405020304" pitchFamily="18" charset="0"/>
-                <a:cs typeface="Times New Roman" panose="02020603050405020304" pitchFamily="18" charset="0"/>
-              </a:rPr>
-              <a:t>Hypothesis 1</a:t>
-            </a:r>
-            <a:endParaRPr lang="en-US" i="1" dirty="0"/>
-          </a:p>
-        </p:txBody>
-      </p:sp>
-      <p:pic>
-        <p:nvPicPr>
-          <p:cNvPr id="3076" name="Picture 4" descr="5,844 BEST Hypothesis IMAGES, STOCK PHOTOS &amp; VECTORS | Adobe Stock">
-            <a:extLst>
-              <a:ext uri="{FF2B5EF4-FFF2-40B4-BE49-F238E27FC236}">
-                <a16:creationId xmlns:a16="http://schemas.microsoft.com/office/drawing/2014/main" id="{5AF5CC09-000A-4509-BBBC-0D9C24DB9772}"/>
-              </a:ext>
-            </a:extLst>
-          </p:cNvPr>
-          <p:cNvPicPr>
-            <a:picLocks noChangeAspect="1" noChangeArrowheads="1"/>
-          </p:cNvPicPr>
-          <p:nvPr/>
-        </p:nvPicPr>
-        <p:blipFill>
-          <a:blip r:embed="rId2">
-            <a:extLst>
-              <a:ext uri="{28A0092B-C50C-407E-A947-70E740481C1C}">
-                <a14:useLocalDpi xmlns:a14="http://schemas.microsoft.com/office/drawing/2010/main" val="0"/>
-              </a:ext>
-            </a:extLst>
-          </a:blip>
-          <a:srcRect/>
-          <a:stretch>
-            <a:fillRect/>
-          </a:stretch>
-        </p:blipFill>
-        <p:spPr bwMode="auto">
-          <a:xfrm>
-            <a:off x="5103349" y="2567020"/>
-            <a:ext cx="6207076" cy="3475963"/>
-          </a:xfrm>
-          <a:prstGeom prst="rect">
-            <a:avLst/>
-          </a:prstGeom>
-          <a:noFill/>
-          <a:extLst>
-            <a:ext uri="{909E8E84-426E-40DD-AFC4-6F175D3DCCD1}">
-              <a14:hiddenFill xmlns:a14="http://schemas.microsoft.com/office/drawing/2010/main">
-                <a:solidFill>
-                  <a:srgbClr val="FFFFFF"/>
-                </a:solidFill>
-              </a14:hiddenFill>
-            </a:ext>
-          </a:extLst>
-        </p:spPr>
-      </p:pic>
+            <a:pPr marL="457200" indent="-457200" algn="l">
+              <a:buFont typeface="Wingdings" panose="05000000000000000000" pitchFamily="2" charset="2"/>
+              <a:buChar char="Ø"/>
+            </a:pPr>
+            <a:r>
+              <a:rPr lang="en-AU" sz="3000" dirty="0">
+                <a:solidFill>
+                  <a:srgbClr val="000000"/>
+                </a:solidFill>
+                <a:effectLst/>
+                <a:latin typeface="Times New Roman" panose="02020603050405020304" pitchFamily="18" charset="0"/>
+                <a:ea typeface="Times New Roman" panose="02020603050405020304" pitchFamily="18" charset="0"/>
+                <a:cs typeface="Times New Roman" panose="02020603050405020304" pitchFamily="18" charset="0"/>
+              </a:rPr>
+              <a:t>Sales of houses in </a:t>
+            </a:r>
+            <a:r>
+              <a:rPr lang="en-AU" sz="3000" dirty="0">
+                <a:solidFill>
+                  <a:srgbClr val="000000"/>
+                </a:solidFill>
+                <a:latin typeface="Times New Roman" panose="02020603050405020304" pitchFamily="18" charset="0"/>
+                <a:ea typeface="Times New Roman" panose="02020603050405020304" pitchFamily="18" charset="0"/>
+                <a:cs typeface="Times New Roman" panose="02020603050405020304" pitchFamily="18" charset="0"/>
+              </a:rPr>
+              <a:t>M</a:t>
+            </a:r>
+            <a:r>
+              <a:rPr lang="en-AU" sz="3000" dirty="0">
+                <a:solidFill>
+                  <a:srgbClr val="000000"/>
+                </a:solidFill>
+                <a:effectLst/>
+                <a:latin typeface="Times New Roman" panose="02020603050405020304" pitchFamily="18" charset="0"/>
+                <a:ea typeface="Times New Roman" panose="02020603050405020304" pitchFamily="18" charset="0"/>
+                <a:cs typeface="Times New Roman" panose="02020603050405020304" pitchFamily="18" charset="0"/>
+              </a:rPr>
+              <a:t>elbourne</a:t>
+            </a:r>
+          </a:p>
+          <a:p>
+            <a:pPr marL="457200" indent="-457200" algn="l">
+              <a:buFont typeface="Wingdings" panose="05000000000000000000" pitchFamily="2" charset="2"/>
+              <a:buChar char="Ø"/>
+            </a:pPr>
+            <a:r>
+              <a:rPr lang="en-AU" sz="3000" dirty="0">
+                <a:solidFill>
+                  <a:srgbClr val="000000"/>
+                </a:solidFill>
+                <a:effectLst/>
+                <a:latin typeface="Times New Roman" panose="02020603050405020304" pitchFamily="18" charset="0"/>
+                <a:ea typeface="Times New Roman" panose="02020603050405020304" pitchFamily="18" charset="0"/>
+                <a:cs typeface="Times New Roman" panose="02020603050405020304" pitchFamily="18" charset="0"/>
+              </a:rPr>
+              <a:t>List of all the schools in Melbourne</a:t>
+            </a:r>
+          </a:p>
+          <a:p>
+            <a:pPr marL="457200" indent="-457200" algn="l">
+              <a:buFont typeface="Wingdings" panose="05000000000000000000" pitchFamily="2" charset="2"/>
+              <a:buChar char="Ø"/>
+            </a:pPr>
+            <a:r>
+              <a:rPr lang="en-AU" sz="3000" dirty="0">
+                <a:solidFill>
+                  <a:srgbClr val="000000"/>
+                </a:solidFill>
+                <a:effectLst/>
+                <a:latin typeface="Times New Roman" panose="02020603050405020304" pitchFamily="18" charset="0"/>
+                <a:ea typeface="Times New Roman" panose="02020603050405020304" pitchFamily="18" charset="0"/>
+                <a:cs typeface="Times New Roman" panose="02020603050405020304" pitchFamily="18" charset="0"/>
+              </a:rPr>
+              <a:t>The crimes rates in different suburbs</a:t>
+            </a:r>
+          </a:p>
+          <a:p>
+            <a:pPr marL="457200" indent="-457200" algn="l">
+              <a:buFont typeface="Wingdings" panose="05000000000000000000" pitchFamily="2" charset="2"/>
+              <a:buChar char="Ø"/>
+            </a:pPr>
+            <a:r>
+              <a:rPr lang="en-AU" sz="3000" dirty="0">
+                <a:solidFill>
+                  <a:srgbClr val="000000"/>
+                </a:solidFill>
+                <a:latin typeface="Times New Roman" panose="02020603050405020304" pitchFamily="18" charset="0"/>
+                <a:ea typeface="Calibri" panose="020F0502020204030204" pitchFamily="34" charset="0"/>
+                <a:cs typeface="Times New Roman" panose="02020603050405020304" pitchFamily="18" charset="0"/>
+              </a:rPr>
+              <a:t>The train stations info</a:t>
+            </a:r>
+          </a:p>
+          <a:p>
+            <a:pPr algn="l"/>
+            <a:endParaRPr lang="en-AU" sz="3000" dirty="0">
+              <a:solidFill>
+                <a:srgbClr val="000000"/>
+              </a:solidFill>
+              <a:effectLst/>
+              <a:latin typeface="Times New Roman" panose="02020603050405020304" pitchFamily="18" charset="0"/>
+              <a:ea typeface="Calibri" panose="020F0502020204030204" pitchFamily="34" charset="0"/>
+              <a:cs typeface="Times New Roman" panose="02020603050405020304" pitchFamily="18" charset="0"/>
+            </a:endParaRPr>
+          </a:p>
+          <a:p>
+            <a:pPr marL="457200" indent="-457200" algn="l">
+              <a:buFont typeface="Wingdings" panose="05000000000000000000" pitchFamily="2" charset="2"/>
+              <a:buChar char="v"/>
+            </a:pPr>
+            <a:r>
+              <a:rPr lang="en-US" sz="3000" dirty="0">
+                <a:solidFill>
+                  <a:srgbClr val="000000"/>
+                </a:solidFill>
+                <a:effectLst/>
+                <a:latin typeface="Times New Roman" panose="02020603050405020304" pitchFamily="18" charset="0"/>
+                <a:ea typeface="Calibri" panose="020F0502020204030204" pitchFamily="34" charset="0"/>
+                <a:cs typeface="Times New Roman" panose="02020603050405020304" pitchFamily="18" charset="0"/>
+              </a:rPr>
+              <a:t>All </a:t>
+            </a:r>
+            <a:r>
+              <a:rPr lang="en-AU" sz="3000" dirty="0">
+                <a:solidFill>
+                  <a:srgbClr val="000000"/>
+                </a:solidFill>
+                <a:effectLst/>
+                <a:latin typeface="Times New Roman" panose="02020603050405020304" pitchFamily="18" charset="0"/>
+                <a:ea typeface="Times New Roman" panose="02020603050405020304" pitchFamily="18" charset="0"/>
+                <a:cs typeface="Times New Roman" panose="02020603050405020304" pitchFamily="18" charset="0"/>
+              </a:rPr>
+              <a:t>in csv formats</a:t>
+            </a:r>
+            <a:endParaRPr lang="en-US" sz="3000" dirty="0">
+              <a:solidFill>
+                <a:srgbClr val="000000"/>
+              </a:solidFill>
+              <a:latin typeface="Times New Roman" panose="02020603050405020304" pitchFamily="18" charset="0"/>
+              <a:ea typeface="Times New Roman" panose="02020603050405020304" pitchFamily="18" charset="0"/>
+              <a:cs typeface="Times New Roman" panose="02020603050405020304" pitchFamily="18" charset="0"/>
+            </a:endParaRPr>
+          </a:p>
+          <a:p>
+            <a:pPr marL="457200" indent="-457200" algn="l">
+              <a:buFont typeface="Wingdings" panose="05000000000000000000" pitchFamily="2" charset="2"/>
+              <a:buChar char="v"/>
+            </a:pPr>
+            <a:r>
+              <a:rPr lang="en-AU" sz="3000" dirty="0">
+                <a:solidFill>
+                  <a:srgbClr val="000000"/>
+                </a:solidFill>
+                <a:effectLst/>
+                <a:latin typeface="Times New Roman" panose="02020603050405020304" pitchFamily="18" charset="0"/>
+                <a:ea typeface="Times New Roman" panose="02020603050405020304" pitchFamily="18" charset="0"/>
+                <a:cs typeface="Times New Roman" panose="02020603050405020304" pitchFamily="18" charset="0"/>
+              </a:rPr>
+              <a:t>The age of the data from 2016-2018</a:t>
+            </a:r>
+            <a:endParaRPr lang="en-US" sz="3000" dirty="0">
+              <a:solidFill>
+                <a:srgbClr val="000000"/>
+              </a:solidFill>
+              <a:latin typeface="Times New Roman" panose="02020603050405020304" pitchFamily="18" charset="0"/>
+              <a:ea typeface="Times New Roman" panose="02020603050405020304" pitchFamily="18" charset="0"/>
+              <a:cs typeface="Times New Roman" panose="02020603050405020304" pitchFamily="18" charset="0"/>
+            </a:endParaRPr>
+          </a:p>
+          <a:p>
+            <a:pPr marL="457200" indent="-457200" algn="l">
+              <a:buFont typeface="Wingdings" panose="05000000000000000000" pitchFamily="2" charset="2"/>
+              <a:buChar char="v"/>
+            </a:pPr>
+            <a:r>
+              <a:rPr lang="en-US" sz="3000" dirty="0">
+                <a:solidFill>
+                  <a:srgbClr val="000000"/>
+                </a:solidFill>
+                <a:latin typeface="Times New Roman" panose="02020603050405020304" pitchFamily="18" charset="0"/>
+                <a:ea typeface="Times New Roman" panose="02020603050405020304" pitchFamily="18" charset="0"/>
+                <a:cs typeface="Times New Roman" panose="02020603050405020304" pitchFamily="18" charset="0"/>
+              </a:rPr>
+              <a:t>T</a:t>
+            </a:r>
+            <a:r>
+              <a:rPr lang="en-AU" sz="3000" dirty="0">
+                <a:solidFill>
+                  <a:srgbClr val="000000"/>
+                </a:solidFill>
+                <a:effectLst/>
+                <a:latin typeface="Times New Roman" panose="02020603050405020304" pitchFamily="18" charset="0"/>
+                <a:ea typeface="Times New Roman" panose="02020603050405020304" pitchFamily="18" charset="0"/>
+                <a:cs typeface="Times New Roman" panose="02020603050405020304" pitchFamily="18" charset="0"/>
+              </a:rPr>
+              <a:t>he market fluctuations cause of COVID after 2018</a:t>
+            </a:r>
+            <a:br>
+              <a:rPr lang="en-US" sz="3000" dirty="0">
+                <a:solidFill>
+                  <a:srgbClr val="000000"/>
+                </a:solidFill>
+                <a:effectLst/>
+                <a:latin typeface="Times New Roman" panose="02020603050405020304" pitchFamily="18" charset="0"/>
+                <a:ea typeface="Calibri" panose="020F0502020204030204" pitchFamily="34" charset="0"/>
+                <a:cs typeface="Times New Roman" panose="02020603050405020304" pitchFamily="18" charset="0"/>
+              </a:rPr>
+            </a:br>
+            <a:endParaRPr lang="en-US" sz="3000" dirty="0"/>
+          </a:p>
+        </p:txBody>
+      </p:sp>
     </p:spTree>
     <p:extLst>
       <p:ext uri="{BB962C8B-B14F-4D97-AF65-F5344CB8AC3E}">
-        <p14:creationId xmlns:p14="http://schemas.microsoft.com/office/powerpoint/2010/main" val="1180733735"/>
+        <p14:creationId xmlns:p14="http://schemas.microsoft.com/office/powerpoint/2010/main" val="21349136"/>
       </p:ext>
     </p:extLst>
   </p:cSld>
@@ -11042,7 +11159,7 @@
           <p:cNvPr id="2" name="Title 1">
             <a:extLst>
               <a:ext uri="{FF2B5EF4-FFF2-40B4-BE49-F238E27FC236}">
-                <a16:creationId xmlns:a16="http://schemas.microsoft.com/office/drawing/2014/main" id="{C1B69CF0-449A-471F-8056-78618C26A41F}"/>
+                <a16:creationId xmlns:a16="http://schemas.microsoft.com/office/drawing/2014/main" id="{D2B5FDE5-29DF-432E-8F79-2CE732F40492}"/>
               </a:ext>
             </a:extLst>
           </p:cNvPr>
@@ -11055,126 +11172,77 @@
         </p:nvSpPr>
         <p:spPr>
           <a:xfrm>
-            <a:off x="2819219" y="641445"/>
-            <a:ext cx="8574622" cy="1280363"/>
+            <a:off x="2450729" y="573269"/>
+            <a:ext cx="8574622" cy="1799860"/>
           </a:xfrm>
         </p:spPr>
         <p:txBody>
           <a:bodyPr/>
           <a:lstStyle/>
           <a:p>
-            <a:pPr algn="l"/>
-            <a:r>
-              <a:rPr lang="en-US" b="1" dirty="0">
-                <a:latin typeface="Times New Roman" panose="02020603050405020304" pitchFamily="18" charset="0"/>
-                <a:cs typeface="Times New Roman" panose="02020603050405020304" pitchFamily="18" charset="0"/>
-              </a:rPr>
-              <a:t>Hypothesis 1:</a:t>
-            </a:r>
-          </a:p>
-        </p:txBody>
-      </p:sp>
-      <p:sp>
-        <p:nvSpPr>
-          <p:cNvPr id="3" name="Subtitle 2">
+            <a:pPr algn="ctr"/>
+            <a:r>
+              <a:rPr lang="en-US" sz="9600" b="1" i="1" dirty="0">
+                <a:latin typeface="Times New Roman" panose="02020603050405020304" pitchFamily="18" charset="0"/>
+                <a:cs typeface="Times New Roman" panose="02020603050405020304" pitchFamily="18" charset="0"/>
+              </a:rPr>
+              <a:t>Hypothesis 1</a:t>
+            </a:r>
+            <a:endParaRPr lang="en-US" i="1" dirty="0"/>
+          </a:p>
+        </p:txBody>
+      </p:sp>
+      <p:pic>
+        <p:nvPicPr>
+          <p:cNvPr id="3076" name="Picture 4" descr="5,844 BEST Hypothesis IMAGES, STOCK PHOTOS &amp; VECTORS | Adobe Stock">
             <a:extLst>
               <a:ext uri="{FF2B5EF4-FFF2-40B4-BE49-F238E27FC236}">
-                <a16:creationId xmlns:a16="http://schemas.microsoft.com/office/drawing/2014/main" id="{311D5298-3E93-42C3-B219-AC7E38FC4C81}"/>
+                <a16:creationId xmlns:a16="http://schemas.microsoft.com/office/drawing/2014/main" id="{5AF5CC09-000A-4509-BBBC-0D9C24DB9772}"/>
               </a:ext>
             </a:extLst>
           </p:cNvPr>
-          <p:cNvSpPr>
-            <a:spLocks noGrp="1"/>
-          </p:cNvSpPr>
-          <p:nvPr>
-            <p:ph type="subTitle" idx="1"/>
-          </p:nvPr>
-        </p:nvSpPr>
-        <p:spPr>
+          <p:cNvPicPr>
+            <a:picLocks noChangeAspect="1" noChangeArrowheads="1"/>
+          </p:cNvPicPr>
+          <p:nvPr/>
+        </p:nvPicPr>
+        <p:blipFill>
+          <a:blip r:embed="rId2">
+            <a:extLst>
+              <a:ext uri="{28A0092B-C50C-407E-A947-70E740481C1C}">
+                <a14:useLocalDpi xmlns:a14="http://schemas.microsoft.com/office/drawing/2010/main" val="0"/>
+              </a:ext>
+            </a:extLst>
+          </a:blip>
+          <a:srcRect/>
+          <a:stretch>
+            <a:fillRect/>
+          </a:stretch>
+        </p:blipFill>
+        <p:spPr bwMode="auto">
           <a:xfrm>
-            <a:off x="4146888" y="2385830"/>
-            <a:ext cx="7246953" cy="3080098"/>
+            <a:off x="5103349" y="2567020"/>
+            <a:ext cx="6207076" cy="3475963"/>
           </a:xfrm>
+          <a:prstGeom prst="rect">
+            <a:avLst/>
+          </a:prstGeom>
+          <a:noFill/>
+          <a:extLst>
+            <a:ext uri="{909E8E84-426E-40DD-AFC4-6F175D3DCCD1}">
+              <a14:hiddenFill xmlns:a14="http://schemas.microsoft.com/office/drawing/2010/main">
+                <a:solidFill>
+                  <a:srgbClr val="FFFFFF"/>
+                </a:solidFill>
+              </a14:hiddenFill>
+            </a:ext>
+          </a:extLst>
         </p:spPr>
-        <p:txBody>
-          <a:bodyPr>
-            <a:noAutofit/>
-          </a:bodyPr>
-          <a:lstStyle/>
-          <a:p>
-            <a:pPr marR="0" lvl="1" algn="just" fontAlgn="base">
-              <a:spcBef>
-                <a:spcPts val="0"/>
-              </a:spcBef>
-              <a:spcAft>
-                <a:spcPts val="0"/>
-              </a:spcAft>
-              <a:buSzPts val="1000"/>
-              <a:tabLst>
-                <a:tab pos="914400" algn="l"/>
-              </a:tabLst>
-            </a:pPr>
-            <a:r>
-              <a:rPr lang="en-AU" sz="4000" dirty="0">
-                <a:solidFill>
-                  <a:srgbClr val="000000"/>
-                </a:solidFill>
-                <a:effectLst/>
-                <a:latin typeface="Times New Roman" panose="02020603050405020304" pitchFamily="18" charset="0"/>
-                <a:ea typeface="Times New Roman" panose="02020603050405020304" pitchFamily="18" charset="0"/>
-                <a:cs typeface="Times New Roman" panose="02020603050405020304" pitchFamily="18" charset="0"/>
-              </a:rPr>
-              <a:t>The distance from CBD has direct correlation to the housing price. </a:t>
-            </a:r>
-          </a:p>
-          <a:p>
-            <a:pPr marR="0" lvl="1" algn="just" fontAlgn="base">
-              <a:spcBef>
-                <a:spcPts val="0"/>
-              </a:spcBef>
-              <a:spcAft>
-                <a:spcPts val="0"/>
-              </a:spcAft>
-              <a:buSzPts val="1000"/>
-              <a:tabLst>
-                <a:tab pos="914400" algn="l"/>
-              </a:tabLst>
-            </a:pPr>
-            <a:r>
-              <a:rPr lang="en-AU" sz="4000" dirty="0">
-                <a:solidFill>
-                  <a:srgbClr val="000000"/>
-                </a:solidFill>
-                <a:effectLst/>
-                <a:latin typeface="Times New Roman" panose="02020603050405020304" pitchFamily="18" charset="0"/>
-                <a:ea typeface="Times New Roman" panose="02020603050405020304" pitchFamily="18" charset="0"/>
-                <a:cs typeface="Times New Roman" panose="02020603050405020304" pitchFamily="18" charset="0"/>
-              </a:rPr>
-              <a:t>The nearer to the CBD, the higher the house price.</a:t>
-            </a:r>
-            <a:endParaRPr lang="en-US" sz="4000" dirty="0">
-              <a:solidFill>
-                <a:srgbClr val="000000"/>
-              </a:solidFill>
-              <a:effectLst/>
-              <a:latin typeface="Times New Roman" panose="02020603050405020304" pitchFamily="18" charset="0"/>
-              <a:ea typeface="Calibri" panose="020F0502020204030204" pitchFamily="34" charset="0"/>
-              <a:cs typeface="Times New Roman" panose="02020603050405020304" pitchFamily="18" charset="0"/>
-            </a:endParaRPr>
-          </a:p>
-          <a:p>
-            <a:pPr algn="just"/>
-            <a:endParaRPr lang="en-US" sz="4000" dirty="0">
-              <a:latin typeface="Times New Roman" panose="02020603050405020304" pitchFamily="18" charset="0"/>
-              <a:cs typeface="Times New Roman" panose="02020603050405020304" pitchFamily="18" charset="0"/>
-            </a:endParaRPr>
-          </a:p>
-        </p:txBody>
-      </p:sp>
+      </p:pic>
     </p:spTree>
     <p:extLst>
       <p:ext uri="{BB962C8B-B14F-4D97-AF65-F5344CB8AC3E}">
-        <p14:creationId xmlns:p14="http://schemas.microsoft.com/office/powerpoint/2010/main" val="3221768428"/>
+        <p14:creationId xmlns:p14="http://schemas.microsoft.com/office/powerpoint/2010/main" val="1180733735"/>
       </p:ext>
     </p:extLst>
   </p:cSld>
@@ -11233,7 +11301,7 @@
                 <a:latin typeface="Times New Roman" panose="02020603050405020304" pitchFamily="18" charset="0"/>
                 <a:cs typeface="Times New Roman" panose="02020603050405020304" pitchFamily="18" charset="0"/>
               </a:rPr>
-              <a:t>Hypothesis 2:</a:t>
+              <a:t>Hypothesis 1:</a:t>
             </a:r>
           </a:p>
         </p:txBody>
@@ -11256,8 +11324,8 @@
         </p:nvSpPr>
         <p:spPr>
           <a:xfrm>
-            <a:off x="4146888" y="2181113"/>
-            <a:ext cx="7246953" cy="3830725"/>
+            <a:off x="4146888" y="2385830"/>
+            <a:ext cx="7246953" cy="3080098"/>
           </a:xfrm>
         </p:spPr>
         <p:txBody>
@@ -11288,7 +11356,7 @@
                 <a:ea typeface="Times New Roman" panose="02020603050405020304" pitchFamily="18" charset="0"/>
                 <a:cs typeface="Times New Roman" panose="02020603050405020304" pitchFamily="18" charset="0"/>
               </a:rPr>
-              <a:t>Crime Rates will affect the house price in the suburb negatively. </a:t>
+              <a:t>The distance from CBD has direct correlation to the housing price. </a:t>
             </a:r>
           </a:p>
           <a:p>
@@ -11314,7 +11382,7 @@
                 <a:ea typeface="Times New Roman" panose="02020603050405020304" pitchFamily="18" charset="0"/>
                 <a:cs typeface="Times New Roman" panose="02020603050405020304" pitchFamily="18" charset="0"/>
               </a:rPr>
-              <a:t>The higher the crime rate, the less likely the house price will increase.</a:t>
+              <a:t>The nearer to the CBD, the higher the house price.</a:t>
             </a:r>
             <a:endParaRPr lang="en-US" sz="4000" dirty="0">
               <a:solidFill>
@@ -11338,7 +11406,7 @@
     </p:spTree>
     <p:extLst>
       <p:ext uri="{BB962C8B-B14F-4D97-AF65-F5344CB8AC3E}">
-        <p14:creationId xmlns:p14="http://schemas.microsoft.com/office/powerpoint/2010/main" val="479269766"/>
+        <p14:creationId xmlns:p14="http://schemas.microsoft.com/office/powerpoint/2010/main" val="3221768428"/>
       </p:ext>
     </p:extLst>
   </p:cSld>
@@ -11397,7 +11465,7 @@
                 <a:latin typeface="Times New Roman" panose="02020603050405020304" pitchFamily="18" charset="0"/>
                 <a:cs typeface="Times New Roman" panose="02020603050405020304" pitchFamily="18" charset="0"/>
               </a:rPr>
-              <a:t>Hypothesis 3:</a:t>
+              <a:t>Hypothesis 2:</a:t>
             </a:r>
           </a:p>
         </p:txBody>
@@ -11420,8 +11488,8 @@
         </p:nvSpPr>
         <p:spPr>
           <a:xfrm>
-            <a:off x="4065002" y="2085580"/>
-            <a:ext cx="7794903" cy="3080098"/>
+            <a:off x="4146888" y="2181113"/>
+            <a:ext cx="7246953" cy="3830725"/>
           </a:xfrm>
         </p:spPr>
         <p:txBody>
@@ -11452,8 +11520,46 @@
                 <a:ea typeface="Times New Roman" panose="02020603050405020304" pitchFamily="18" charset="0"/>
                 <a:cs typeface="Times New Roman" panose="02020603050405020304" pitchFamily="18" charset="0"/>
               </a:rPr>
-              <a:t>The school zone area is one of the main reason for the surge in house prices of specific suburb. Both private and public school play a big role when it comes to choosing the right suburb to live in. </a:t>
-            </a:r>
+              <a:t>Crime Rates will affect the house price in the suburb negatively. </a:t>
+            </a:r>
+          </a:p>
+          <a:p>
+            <a:pPr marR="0" lvl="1" algn="just" fontAlgn="base">
+              <a:spcBef>
+                <a:spcPts val="0"/>
+              </a:spcBef>
+              <a:spcAft>
+                <a:spcPts val="0"/>
+              </a:spcAft>
+              <a:buSzPts val="1000"/>
+              <a:tabLst>
+                <a:tab pos="914400" algn="l"/>
+              </a:tabLst>
+            </a:pPr>
+            <a:r>
+              <a:rPr lang="en-AU" sz="4000" dirty="0">
+                <a:solidFill>
+                  <a:srgbClr val="000000"/>
+                </a:solidFill>
+                <a:effectLst/>
+                <a:latin typeface="Times New Roman" panose="02020603050405020304" pitchFamily="18" charset="0"/>
+                <a:ea typeface="Times New Roman" panose="02020603050405020304" pitchFamily="18" charset="0"/>
+                <a:cs typeface="Times New Roman" panose="02020603050405020304" pitchFamily="18" charset="0"/>
+              </a:rPr>
+              <a:t>The higher the crime rate, the less likely the house price will increase.</a:t>
+            </a:r>
+            <a:endParaRPr lang="en-US" sz="4000" dirty="0">
+              <a:solidFill>
+                <a:srgbClr val="000000"/>
+              </a:solidFill>
+              <a:effectLst/>
+              <a:latin typeface="Times New Roman" panose="02020603050405020304" pitchFamily="18" charset="0"/>
+              <a:ea typeface="Calibri" panose="020F0502020204030204" pitchFamily="34" charset="0"/>
+              <a:cs typeface="Times New Roman" panose="02020603050405020304" pitchFamily="18" charset="0"/>
+            </a:endParaRPr>
+          </a:p>
+          <a:p>
+            <a:pPr algn="just"/>
             <a:endParaRPr lang="en-US" sz="4000" dirty="0">
               <a:latin typeface="Times New Roman" panose="02020603050405020304" pitchFamily="18" charset="0"/>
               <a:cs typeface="Times New Roman" panose="02020603050405020304" pitchFamily="18" charset="0"/>
@@ -11464,7 +11570,7 @@
     </p:spTree>
     <p:extLst>
       <p:ext uri="{BB962C8B-B14F-4D97-AF65-F5344CB8AC3E}">
-        <p14:creationId xmlns:p14="http://schemas.microsoft.com/office/powerpoint/2010/main" val="1812098738"/>
+        <p14:creationId xmlns:p14="http://schemas.microsoft.com/office/powerpoint/2010/main" val="479269766"/>
       </p:ext>
     </p:extLst>
   </p:cSld>
@@ -11523,7 +11629,7 @@
                 <a:latin typeface="Times New Roman" panose="02020603050405020304" pitchFamily="18" charset="0"/>
                 <a:cs typeface="Times New Roman" panose="02020603050405020304" pitchFamily="18" charset="0"/>
               </a:rPr>
-              <a:t>Hypothesis 4:</a:t>
+              <a:t>Hypothesis 3:</a:t>
             </a:r>
           </a:p>
         </p:txBody>
@@ -11546,8 +11652,8 @@
         </p:nvSpPr>
         <p:spPr>
           <a:xfrm>
-            <a:off x="4146888" y="2385830"/>
-            <a:ext cx="7246953" cy="3080098"/>
+            <a:off x="4065002" y="2085580"/>
+            <a:ext cx="7794903" cy="3080098"/>
           </a:xfrm>
         </p:spPr>
         <p:txBody>
@@ -11578,69 +11684,8 @@
                 <a:ea typeface="Times New Roman" panose="02020603050405020304" pitchFamily="18" charset="0"/>
                 <a:cs typeface="Times New Roman" panose="02020603050405020304" pitchFamily="18" charset="0"/>
               </a:rPr>
-              <a:t>The nearest to the train stations has a direct effect on the house prices. </a:t>
-            </a:r>
-          </a:p>
-          <a:p>
-            <a:pPr marR="0" lvl="1" algn="just" fontAlgn="base">
-              <a:spcBef>
-                <a:spcPts val="0"/>
-              </a:spcBef>
-              <a:spcAft>
-                <a:spcPts val="0"/>
-              </a:spcAft>
-              <a:buSzPts val="1000"/>
-              <a:tabLst>
-                <a:tab pos="914400" algn="l"/>
-              </a:tabLst>
-            </a:pPr>
-            <a:r>
-              <a:rPr lang="en-AU" sz="4000" dirty="0">
-                <a:solidFill>
-                  <a:srgbClr val="000000"/>
-                </a:solidFill>
-                <a:effectLst/>
-                <a:latin typeface="Times New Roman" panose="02020603050405020304" pitchFamily="18" charset="0"/>
-                <a:ea typeface="Times New Roman" panose="02020603050405020304" pitchFamily="18" charset="0"/>
-                <a:cs typeface="Times New Roman" panose="02020603050405020304" pitchFamily="18" charset="0"/>
-              </a:rPr>
-              <a:t>The </a:t>
-            </a:r>
-            <a:r>
-              <a:rPr lang="en-AU" sz="4000" dirty="0">
-                <a:solidFill>
-                  <a:srgbClr val="000000"/>
-                </a:solidFill>
-                <a:latin typeface="Times New Roman" panose="02020603050405020304" pitchFamily="18" charset="0"/>
-                <a:ea typeface="Times New Roman" panose="02020603050405020304" pitchFamily="18" charset="0"/>
-                <a:cs typeface="Times New Roman" panose="02020603050405020304" pitchFamily="18" charset="0"/>
-              </a:rPr>
-              <a:t>clos</a:t>
-            </a:r>
-            <a:r>
-              <a:rPr lang="en-AU" sz="4000" dirty="0">
-                <a:solidFill>
-                  <a:srgbClr val="000000"/>
-                </a:solidFill>
-                <a:effectLst/>
-                <a:latin typeface="Times New Roman" panose="02020603050405020304" pitchFamily="18" charset="0"/>
-                <a:ea typeface="Times New Roman" panose="02020603050405020304" pitchFamily="18" charset="0"/>
-                <a:cs typeface="Times New Roman" panose="02020603050405020304" pitchFamily="18" charset="0"/>
-              </a:rPr>
-              <a:t>er to the train stations, the higher the house prices.</a:t>
-            </a:r>
-            <a:endParaRPr lang="en-US" sz="4000" dirty="0">
-              <a:solidFill>
-                <a:srgbClr val="000000"/>
-              </a:solidFill>
-              <a:effectLst/>
-              <a:latin typeface="Times New Roman" panose="02020603050405020304" pitchFamily="18" charset="0"/>
-              <a:ea typeface="Calibri" panose="020F0502020204030204" pitchFamily="34" charset="0"/>
-              <a:cs typeface="Times New Roman" panose="02020603050405020304" pitchFamily="18" charset="0"/>
-            </a:endParaRPr>
-          </a:p>
-          <a:p>
-            <a:pPr algn="just"/>
+              <a:t>The school zone area is one of the main reason for the surge in house prices of specific suburb. Both private and public school play a big role when it comes to choosing the right suburb to live in. </a:t>
+            </a:r>
             <a:endParaRPr lang="en-US" sz="4000" dirty="0">
               <a:latin typeface="Times New Roman" panose="02020603050405020304" pitchFamily="18" charset="0"/>
               <a:cs typeface="Times New Roman" panose="02020603050405020304" pitchFamily="18" charset="0"/>
@@ -11651,7 +11696,7 @@
     </p:spTree>
     <p:extLst>
       <p:ext uri="{BB962C8B-B14F-4D97-AF65-F5344CB8AC3E}">
-        <p14:creationId xmlns:p14="http://schemas.microsoft.com/office/powerpoint/2010/main" val="3424600478"/>
+        <p14:creationId xmlns:p14="http://schemas.microsoft.com/office/powerpoint/2010/main" val="1812098738"/>
       </p:ext>
     </p:extLst>
   </p:cSld>
@@ -11683,7 +11728,7 @@
           <p:cNvPr id="2" name="Title 1">
             <a:extLst>
               <a:ext uri="{FF2B5EF4-FFF2-40B4-BE49-F238E27FC236}">
-                <a16:creationId xmlns:a16="http://schemas.microsoft.com/office/drawing/2014/main" id="{D2B5FDE5-29DF-432E-8F79-2CE732F40492}"/>
+                <a16:creationId xmlns:a16="http://schemas.microsoft.com/office/drawing/2014/main" id="{C1B69CF0-449A-471F-8056-78618C26A41F}"/>
               </a:ext>
             </a:extLst>
           </p:cNvPr>
@@ -11696,77 +11741,149 @@
         </p:nvSpPr>
         <p:spPr>
           <a:xfrm>
-            <a:off x="2450729" y="573269"/>
-            <a:ext cx="8574622" cy="1799860"/>
+            <a:off x="2819219" y="641445"/>
+            <a:ext cx="8574622" cy="1280363"/>
           </a:xfrm>
         </p:spPr>
         <p:txBody>
           <a:bodyPr/>
           <a:lstStyle/>
           <a:p>
-            <a:pPr algn="ctr"/>
-            <a:r>
-              <a:rPr lang="en-US" sz="9600" b="1" i="1" dirty="0">
-                <a:latin typeface="Times New Roman" panose="02020603050405020304" pitchFamily="18" charset="0"/>
-                <a:cs typeface="Times New Roman" panose="02020603050405020304" pitchFamily="18" charset="0"/>
-              </a:rPr>
-              <a:t>Datasets</a:t>
-            </a:r>
-            <a:endParaRPr lang="en-US" dirty="0"/>
-          </a:p>
-        </p:txBody>
-      </p:sp>
-      <p:pic>
-        <p:nvPicPr>
-          <p:cNvPr id="1026" name="Picture 2" descr="How to Analyze a Dataset: 6 Steps | HBS Online">
+            <a:pPr algn="l"/>
+            <a:r>
+              <a:rPr lang="en-US" b="1" dirty="0">
+                <a:latin typeface="Times New Roman" panose="02020603050405020304" pitchFamily="18" charset="0"/>
+                <a:cs typeface="Times New Roman" panose="02020603050405020304" pitchFamily="18" charset="0"/>
+              </a:rPr>
+              <a:t>Hypothesis 4:</a:t>
+            </a:r>
+          </a:p>
+        </p:txBody>
+      </p:sp>
+      <p:sp>
+        <p:nvSpPr>
+          <p:cNvPr id="3" name="Subtitle 2">
             <a:extLst>
               <a:ext uri="{FF2B5EF4-FFF2-40B4-BE49-F238E27FC236}">
-                <a16:creationId xmlns:a16="http://schemas.microsoft.com/office/drawing/2014/main" id="{CD656E5C-D383-43CD-BFD5-4611A264A192}"/>
+                <a16:creationId xmlns:a16="http://schemas.microsoft.com/office/drawing/2014/main" id="{311D5298-3E93-42C3-B219-AC7E38FC4C81}"/>
               </a:ext>
             </a:extLst>
           </p:cNvPr>
-          <p:cNvPicPr>
-            <a:picLocks noChangeAspect="1" noChangeArrowheads="1"/>
-          </p:cNvPicPr>
-          <p:nvPr/>
-        </p:nvPicPr>
-        <p:blipFill>
-          <a:blip r:embed="rId2">
-            <a:extLst>
-              <a:ext uri="{28A0092B-C50C-407E-A947-70E740481C1C}">
-                <a14:useLocalDpi xmlns:a14="http://schemas.microsoft.com/office/drawing/2010/main" val="0"/>
-              </a:ext>
-            </a:extLst>
-          </a:blip>
-          <a:srcRect/>
-          <a:stretch>
-            <a:fillRect/>
-          </a:stretch>
-        </p:blipFill>
-        <p:spPr bwMode="auto">
+          <p:cNvSpPr>
+            <a:spLocks noGrp="1"/>
+          </p:cNvSpPr>
+          <p:nvPr>
+            <p:ph type="subTitle" idx="1"/>
+          </p:nvPr>
+        </p:nvSpPr>
+        <p:spPr>
           <a:xfrm>
-            <a:off x="4497118" y="2373129"/>
-            <a:ext cx="6883644" cy="3441822"/>
+            <a:off x="4146888" y="2385830"/>
+            <a:ext cx="7246953" cy="3080098"/>
           </a:xfrm>
-          <a:prstGeom prst="rect">
-            <a:avLst/>
-          </a:prstGeom>
-          <a:noFill/>
-          <a:extLst>
-            <a:ext uri="{909E8E84-426E-40DD-AFC4-6F175D3DCCD1}">
-              <a14:hiddenFill xmlns:a14="http://schemas.microsoft.com/office/drawing/2010/main">
-                <a:solidFill>
-                  <a:srgbClr val="FFFFFF"/>
-                </a:solidFill>
-              </a14:hiddenFill>
-            </a:ext>
-          </a:extLst>
         </p:spPr>
-      </p:pic>
+        <p:txBody>
+          <a:bodyPr>
+            <a:noAutofit/>
+          </a:bodyPr>
+          <a:lstStyle/>
+          <a:p>
+            <a:pPr marR="0" lvl="1" algn="just" fontAlgn="base">
+              <a:spcBef>
+                <a:spcPts val="0"/>
+              </a:spcBef>
+              <a:spcAft>
+                <a:spcPts val="0"/>
+              </a:spcAft>
+              <a:buSzPts val="1000"/>
+              <a:tabLst>
+                <a:tab pos="914400" algn="l"/>
+              </a:tabLst>
+            </a:pPr>
+            <a:r>
+              <a:rPr lang="en-AU" sz="4000" dirty="0">
+                <a:solidFill>
+                  <a:srgbClr val="000000"/>
+                </a:solidFill>
+                <a:effectLst/>
+                <a:latin typeface="Times New Roman" panose="02020603050405020304" pitchFamily="18" charset="0"/>
+                <a:ea typeface="Times New Roman" panose="02020603050405020304" pitchFamily="18" charset="0"/>
+                <a:cs typeface="Times New Roman" panose="02020603050405020304" pitchFamily="18" charset="0"/>
+              </a:rPr>
+              <a:t>The nearest to the train stations has a direct effect on the house prices. </a:t>
+            </a:r>
+          </a:p>
+          <a:p>
+            <a:pPr marR="0" lvl="1" algn="just" fontAlgn="base">
+              <a:spcBef>
+                <a:spcPts val="0"/>
+              </a:spcBef>
+              <a:spcAft>
+                <a:spcPts val="0"/>
+              </a:spcAft>
+              <a:buSzPts val="1000"/>
+              <a:tabLst>
+                <a:tab pos="914400" algn="l"/>
+              </a:tabLst>
+            </a:pPr>
+            <a:r>
+              <a:rPr lang="en-AU" sz="4000" dirty="0">
+                <a:solidFill>
+                  <a:srgbClr val="000000"/>
+                </a:solidFill>
+                <a:effectLst/>
+                <a:latin typeface="Times New Roman" panose="02020603050405020304" pitchFamily="18" charset="0"/>
+                <a:ea typeface="Times New Roman" panose="02020603050405020304" pitchFamily="18" charset="0"/>
+                <a:cs typeface="Times New Roman" panose="02020603050405020304" pitchFamily="18" charset="0"/>
+              </a:rPr>
+              <a:t>The </a:t>
+            </a:r>
+            <a:r>
+              <a:rPr lang="en-AU" sz="4000" dirty="0">
+                <a:solidFill>
+                  <a:srgbClr val="000000"/>
+                </a:solidFill>
+                <a:latin typeface="Times New Roman" panose="02020603050405020304" pitchFamily="18" charset="0"/>
+                <a:ea typeface="Times New Roman" panose="02020603050405020304" pitchFamily="18" charset="0"/>
+                <a:cs typeface="Times New Roman" panose="02020603050405020304" pitchFamily="18" charset="0"/>
+              </a:rPr>
+              <a:t>clos</a:t>
+            </a:r>
+            <a:r>
+              <a:rPr lang="en-AU" sz="4000" dirty="0">
+                <a:solidFill>
+                  <a:srgbClr val="000000"/>
+                </a:solidFill>
+                <a:effectLst/>
+                <a:latin typeface="Times New Roman" panose="02020603050405020304" pitchFamily="18" charset="0"/>
+                <a:ea typeface="Times New Roman" panose="02020603050405020304" pitchFamily="18" charset="0"/>
+                <a:cs typeface="Times New Roman" panose="02020603050405020304" pitchFamily="18" charset="0"/>
+              </a:rPr>
+              <a:t>er to the train stations, the higher the house prices.</a:t>
+            </a:r>
+            <a:endParaRPr lang="en-US" sz="4000" dirty="0">
+              <a:solidFill>
+                <a:srgbClr val="000000"/>
+              </a:solidFill>
+              <a:effectLst/>
+              <a:latin typeface="Times New Roman" panose="02020603050405020304" pitchFamily="18" charset="0"/>
+              <a:ea typeface="Calibri" panose="020F0502020204030204" pitchFamily="34" charset="0"/>
+              <a:cs typeface="Times New Roman" panose="02020603050405020304" pitchFamily="18" charset="0"/>
+            </a:endParaRPr>
+          </a:p>
+          <a:p>
+            <a:pPr algn="just"/>
+            <a:endParaRPr lang="en-US" sz="4000" dirty="0">
+              <a:latin typeface="Times New Roman" panose="02020603050405020304" pitchFamily="18" charset="0"/>
+              <a:cs typeface="Times New Roman" panose="02020603050405020304" pitchFamily="18" charset="0"/>
+            </a:endParaRPr>
+          </a:p>
+        </p:txBody>
+      </p:sp>
     </p:spTree>
     <p:extLst>
       <p:ext uri="{BB962C8B-B14F-4D97-AF65-F5344CB8AC3E}">
-        <p14:creationId xmlns:p14="http://schemas.microsoft.com/office/powerpoint/2010/main" val="629092007"/>
+        <p14:creationId xmlns:p14="http://schemas.microsoft.com/office/powerpoint/2010/main" val="3424600478"/>
       </p:ext>
     </p:extLst>
   </p:cSld>
